--- a/Project1 CW SAT, ACT 2017 and 2018 - Focus on Texas - FINAL Presentation.pptx
+++ b/Project1 CW SAT, ACT 2017 and 2018 - Focus on Texas - FINAL Presentation.pptx
@@ -18,8 +18,8 @@
     <p:sldId id="263" r:id="rId9"/>
     <p:sldId id="274" r:id="rId10"/>
     <p:sldId id="275" r:id="rId11"/>
-    <p:sldId id="264" r:id="rId12"/>
-    <p:sldId id="267" r:id="rId13"/>
+    <p:sldId id="267" r:id="rId12"/>
+    <p:sldId id="264" r:id="rId13"/>
     <p:sldId id="268" r:id="rId14"/>
     <p:sldId id="266" r:id="rId15"/>
     <p:sldId id="259" r:id="rId16"/>
@@ -4486,28 +4486,27 @@
       </p:sp>
       <p:pic>
         <p:nvPicPr>
-          <p:cNvPr id="4" name="Picture 3" descr="Screen Shot 2018-11-20 at 12.53.54 PM.png"/>
+          <p:cNvPr id="4" name="Picture 3"/>
           <p:cNvPicPr>
             <a:picLocks noChangeAspect="1"/>
           </p:cNvPicPr>
           <p:nvPr/>
         </p:nvPicPr>
-        <p:blipFill>
-          <a:blip r:embed="rId2">
+        <p:blipFill rotWithShape="1">
+          <a:blip r:embed="rId2" cstate="print">
             <a:extLst>
               <a:ext uri="{28A0092B-C50C-407E-A947-70E740481C1C}">
                 <a14:useLocalDpi xmlns:a14="http://schemas.microsoft.com/office/drawing/2010/main" val="0"/>
               </a:ext>
             </a:extLst>
           </a:blip>
-          <a:stretch>
-            <a:fillRect/>
-          </a:stretch>
+          <a:srcRect l="5287" t="16105" r="14304" b="15247"/>
+          <a:stretch/>
         </p:blipFill>
         <p:spPr>
           <a:xfrm>
-            <a:off x="942223" y="1750405"/>
-            <a:ext cx="7378552" cy="4531791"/>
+            <a:off x="537005" y="1750405"/>
+            <a:ext cx="8378982" cy="4470893"/>
           </a:xfrm>
           <a:prstGeom prst="rect">
             <a:avLst/>
@@ -4536,8 +4535,8 @@
         </p:blipFill>
         <p:spPr>
           <a:xfrm>
-            <a:off x="6352275" y="1750405"/>
-            <a:ext cx="1968500" cy="927100"/>
+            <a:off x="7211209" y="1750405"/>
+            <a:ext cx="1704778" cy="802895"/>
           </a:xfrm>
           <a:prstGeom prst="rect">
             <a:avLst/>
@@ -4590,6 +4589,134 @@
           <a:lstStyle/>
           <a:p>
             <a:r>
+              <a:rPr lang="en-US" sz="3600" dirty="0" smtClean="0"/>
+              <a:t>Inverse Relationship in SAT Participation and Score per States</a:t>
+            </a:r>
+            <a:endParaRPr lang="en-US" sz="3600" dirty="0"/>
+          </a:p>
+        </p:txBody>
+      </p:sp>
+      <p:sp>
+        <p:nvSpPr>
+          <p:cNvPr id="5" name="Content Placeholder 4"/>
+          <p:cNvSpPr>
+            <a:spLocks noGrp="1"/>
+          </p:cNvSpPr>
+          <p:nvPr>
+            <p:ph idx="1"/>
+          </p:nvPr>
+        </p:nvSpPr>
+        <p:spPr/>
+        <p:txBody>
+          <a:bodyPr>
+            <a:normAutofit/>
+          </a:bodyPr>
+          <a:lstStyle/>
+          <a:p>
+            <a:pPr marL="0" indent="0">
+              <a:buNone/>
+            </a:pPr>
+            <a:r>
+              <a:rPr lang="en-US" sz="2200" dirty="0" smtClean="0"/>
+              <a:t>Must demonstrate to Texas </a:t>
+            </a:r>
+            <a:r>
+              <a:rPr lang="en-US" sz="2200" dirty="0"/>
+              <a:t>administrators </a:t>
+            </a:r>
+            <a:r>
+              <a:rPr lang="en-US" sz="2200" dirty="0" smtClean="0"/>
+              <a:t>that SAT Score averages are inversely related to participation percentage is not a bad thing. Correlation is  - 0.85</a:t>
+            </a:r>
+          </a:p>
+          <a:p>
+            <a:endParaRPr lang="en-US" sz="2200" dirty="0"/>
+          </a:p>
+        </p:txBody>
+      </p:sp>
+      <p:pic>
+        <p:nvPicPr>
+          <p:cNvPr id="7" name="Picture 6" descr="2018 SAT Participation vs Total Score.png"/>
+          <p:cNvPicPr>
+            <a:picLocks noChangeAspect="1"/>
+          </p:cNvPicPr>
+          <p:nvPr/>
+        </p:nvPicPr>
+        <p:blipFill>
+          <a:blip r:embed="rId2">
+            <a:extLst>
+              <a:ext uri="{28A0092B-C50C-407E-A947-70E740481C1C}">
+                <a14:useLocalDpi xmlns:a14="http://schemas.microsoft.com/office/drawing/2010/main" val="0"/>
+              </a:ext>
+            </a:extLst>
+          </a:blip>
+          <a:stretch>
+            <a:fillRect/>
+          </a:stretch>
+        </p:blipFill>
+        <p:spPr>
+          <a:xfrm>
+            <a:off x="2752632" y="2718047"/>
+            <a:ext cx="4158357" cy="3904412"/>
+          </a:xfrm>
+          <a:prstGeom prst="rect">
+            <a:avLst/>
+          </a:prstGeom>
+        </p:spPr>
+      </p:pic>
+    </p:spTree>
+    <p:extLst>
+      <p:ext uri="{BB962C8B-B14F-4D97-AF65-F5344CB8AC3E}">
+        <p14:creationId xmlns:p14="http://schemas.microsoft.com/office/powerpoint/2010/main" val="1620013181"/>
+      </p:ext>
+    </p:extLst>
+  </p:cSld>
+  <p:clrMapOvr>
+    <a:masterClrMapping/>
+  </p:clrMapOvr>
+  <p:timing>
+    <p:tnLst>
+      <p:par>
+        <p:cTn xmlns:p14="http://schemas.microsoft.com/office/powerpoint/2010/main" id="1" dur="indefinite" restart="never" nodeType="tmRoot"/>
+      </p:par>
+    </p:tnLst>
+  </p:timing>
+</p:sld>
+</file>
+
+<file path=ppt/slides/slide12.xml><?xml version="1.0" encoding="utf-8"?>
+<p:sld xmlns:a="http://schemas.openxmlformats.org/drawingml/2006/main" xmlns:r="http://schemas.openxmlformats.org/officeDocument/2006/relationships" xmlns:p="http://schemas.openxmlformats.org/presentationml/2006/main">
+  <p:cSld>
+    <p:spTree>
+      <p:nvGrpSpPr>
+        <p:cNvPr id="1" name=""/>
+        <p:cNvGrpSpPr/>
+        <p:nvPr/>
+      </p:nvGrpSpPr>
+      <p:grpSpPr>
+        <a:xfrm>
+          <a:off x="0" y="0"/>
+          <a:ext cx="0" cy="0"/>
+          <a:chOff x="0" y="0"/>
+          <a:chExt cx="0" cy="0"/>
+        </a:xfrm>
+      </p:grpSpPr>
+      <p:sp>
+        <p:nvSpPr>
+          <p:cNvPr id="2" name="Title 1"/>
+          <p:cNvSpPr>
+            <a:spLocks noGrp="1"/>
+          </p:cNvSpPr>
+          <p:nvPr>
+            <p:ph type="title"/>
+          </p:nvPr>
+        </p:nvSpPr>
+        <p:spPr/>
+        <p:txBody>
+          <a:bodyPr/>
+          <a:lstStyle/>
+          <a:p>
+            <a:r>
               <a:rPr lang="en-US" dirty="0"/>
               <a:t>Key Data on Texas </a:t>
             </a:r>
@@ -4676,134 +4803,6 @@
     <p:extLst>
       <p:ext uri="{BB962C8B-B14F-4D97-AF65-F5344CB8AC3E}">
         <p14:creationId xmlns:p14="http://schemas.microsoft.com/office/powerpoint/2010/main" val="1304125643"/>
-      </p:ext>
-    </p:extLst>
-  </p:cSld>
-  <p:clrMapOvr>
-    <a:masterClrMapping/>
-  </p:clrMapOvr>
-  <p:timing>
-    <p:tnLst>
-      <p:par>
-        <p:cTn xmlns:p14="http://schemas.microsoft.com/office/powerpoint/2010/main" id="1" dur="indefinite" restart="never" nodeType="tmRoot"/>
-      </p:par>
-    </p:tnLst>
-  </p:timing>
-</p:sld>
-</file>
-
-<file path=ppt/slides/slide12.xml><?xml version="1.0" encoding="utf-8"?>
-<p:sld xmlns:a="http://schemas.openxmlformats.org/drawingml/2006/main" xmlns:r="http://schemas.openxmlformats.org/officeDocument/2006/relationships" xmlns:p="http://schemas.openxmlformats.org/presentationml/2006/main">
-  <p:cSld>
-    <p:spTree>
-      <p:nvGrpSpPr>
-        <p:cNvPr id="1" name=""/>
-        <p:cNvGrpSpPr/>
-        <p:nvPr/>
-      </p:nvGrpSpPr>
-      <p:grpSpPr>
-        <a:xfrm>
-          <a:off x="0" y="0"/>
-          <a:ext cx="0" cy="0"/>
-          <a:chOff x="0" y="0"/>
-          <a:chExt cx="0" cy="0"/>
-        </a:xfrm>
-      </p:grpSpPr>
-      <p:sp>
-        <p:nvSpPr>
-          <p:cNvPr id="2" name="Title 1"/>
-          <p:cNvSpPr>
-            <a:spLocks noGrp="1"/>
-          </p:cNvSpPr>
-          <p:nvPr>
-            <p:ph type="title"/>
-          </p:nvPr>
-        </p:nvSpPr>
-        <p:spPr/>
-        <p:txBody>
-          <a:bodyPr/>
-          <a:lstStyle/>
-          <a:p>
-            <a:r>
-              <a:rPr lang="en-US" sz="3600" dirty="0" smtClean="0"/>
-              <a:t>Inverse Relationship in SAT Participation and Score per States</a:t>
-            </a:r>
-            <a:endParaRPr lang="en-US" sz="3600" dirty="0"/>
-          </a:p>
-        </p:txBody>
-      </p:sp>
-      <p:sp>
-        <p:nvSpPr>
-          <p:cNvPr id="5" name="Content Placeholder 4"/>
-          <p:cNvSpPr>
-            <a:spLocks noGrp="1"/>
-          </p:cNvSpPr>
-          <p:nvPr>
-            <p:ph idx="1"/>
-          </p:nvPr>
-        </p:nvSpPr>
-        <p:spPr/>
-        <p:txBody>
-          <a:bodyPr>
-            <a:normAutofit/>
-          </a:bodyPr>
-          <a:lstStyle/>
-          <a:p>
-            <a:pPr marL="0" indent="0">
-              <a:buNone/>
-            </a:pPr>
-            <a:r>
-              <a:rPr lang="en-US" sz="2200" dirty="0" smtClean="0"/>
-              <a:t>Must demonstrate to Texas </a:t>
-            </a:r>
-            <a:r>
-              <a:rPr lang="en-US" sz="2200" dirty="0"/>
-              <a:t>administrators </a:t>
-            </a:r>
-            <a:r>
-              <a:rPr lang="en-US" sz="2200" dirty="0" smtClean="0"/>
-              <a:t>that SAT Score averages are inversely related to participation percentage is not a bad thing. Correlation is  - 0.85</a:t>
-            </a:r>
-          </a:p>
-          <a:p>
-            <a:endParaRPr lang="en-US" sz="2200" dirty="0"/>
-          </a:p>
-        </p:txBody>
-      </p:sp>
-      <p:pic>
-        <p:nvPicPr>
-          <p:cNvPr id="7" name="Picture 6" descr="2018 SAT Participation vs Total Score.png"/>
-          <p:cNvPicPr>
-            <a:picLocks noChangeAspect="1"/>
-          </p:cNvPicPr>
-          <p:nvPr/>
-        </p:nvPicPr>
-        <p:blipFill>
-          <a:blip r:embed="rId2">
-            <a:extLst>
-              <a:ext uri="{28A0092B-C50C-407E-A947-70E740481C1C}">
-                <a14:useLocalDpi xmlns:a14="http://schemas.microsoft.com/office/drawing/2010/main" val="0"/>
-              </a:ext>
-            </a:extLst>
-          </a:blip>
-          <a:stretch>
-            <a:fillRect/>
-          </a:stretch>
-        </p:blipFill>
-        <p:spPr>
-          <a:xfrm>
-            <a:off x="2752632" y="2718047"/>
-            <a:ext cx="4158357" cy="3904412"/>
-          </a:xfrm>
-          <a:prstGeom prst="rect">
-            <a:avLst/>
-          </a:prstGeom>
-        </p:spPr>
-      </p:pic>
-    </p:spTree>
-    <p:extLst>
-      <p:ext uri="{BB962C8B-B14F-4D97-AF65-F5344CB8AC3E}">
-        <p14:creationId xmlns:p14="http://schemas.microsoft.com/office/powerpoint/2010/main" val="1620013181"/>
       </p:ext>
     </p:extLst>
   </p:cSld>
@@ -5031,7 +5030,7 @@
             </a:r>
             <a:r>
               <a:rPr lang="en-US" dirty="0" smtClean="0"/>
-              <a:t>participation in states increases, SAT scores fall. If the SAT is mandated in Texas, then we should expect average SAT scores to drop. </a:t>
+              <a:t>participation in states increases, SAT scores fall. If the SAT is mandated in Texas, then we should expect average SAT scores to drop. The same would be the case with the ACT scores. </a:t>
             </a:r>
           </a:p>
           <a:p>
